--- a/idioms/campaign/victim-targeting/diagram.pptx
+++ b/idioms/campaign/victim-targeting/diagram.pptx
@@ -288,7 +288,7 @@
           <a:p>
             <a:fld id="{13F24B86-36D2-4655-BE2F-98B661AC85E1}" type="datetimeFigureOut">
               <a:rPr lang="en-US" smtClean="0"/>
-              <a:t>3/17/2014</a:t>
+              <a:t>3/19/2014</a:t>
             </a:fld>
             <a:endParaRPr lang="en-US"/>
           </a:p>
@@ -458,7 +458,7 @@
           <a:p>
             <a:fld id="{13F24B86-36D2-4655-BE2F-98B661AC85E1}" type="datetimeFigureOut">
               <a:rPr lang="en-US" smtClean="0"/>
-              <a:t>3/17/2014</a:t>
+              <a:t>3/19/2014</a:t>
             </a:fld>
             <a:endParaRPr lang="en-US"/>
           </a:p>
@@ -638,7 +638,7 @@
           <a:p>
             <a:fld id="{13F24B86-36D2-4655-BE2F-98B661AC85E1}" type="datetimeFigureOut">
               <a:rPr lang="en-US" smtClean="0"/>
-              <a:t>3/17/2014</a:t>
+              <a:t>3/19/2014</a:t>
             </a:fld>
             <a:endParaRPr lang="en-US"/>
           </a:p>
@@ -808,7 +808,7 @@
           <a:p>
             <a:fld id="{13F24B86-36D2-4655-BE2F-98B661AC85E1}" type="datetimeFigureOut">
               <a:rPr lang="en-US" smtClean="0"/>
-              <a:t>3/17/2014</a:t>
+              <a:t>3/19/2014</a:t>
             </a:fld>
             <a:endParaRPr lang="en-US"/>
           </a:p>
@@ -1054,7 +1054,7 @@
           <a:p>
             <a:fld id="{13F24B86-36D2-4655-BE2F-98B661AC85E1}" type="datetimeFigureOut">
               <a:rPr lang="en-US" smtClean="0"/>
-              <a:t>3/17/2014</a:t>
+              <a:t>3/19/2014</a:t>
             </a:fld>
             <a:endParaRPr lang="en-US"/>
           </a:p>
@@ -1342,7 +1342,7 @@
           <a:p>
             <a:fld id="{13F24B86-36D2-4655-BE2F-98B661AC85E1}" type="datetimeFigureOut">
               <a:rPr lang="en-US" smtClean="0"/>
-              <a:t>3/17/2014</a:t>
+              <a:t>3/19/2014</a:t>
             </a:fld>
             <a:endParaRPr lang="en-US"/>
           </a:p>
@@ -1764,7 +1764,7 @@
           <a:p>
             <a:fld id="{13F24B86-36D2-4655-BE2F-98B661AC85E1}" type="datetimeFigureOut">
               <a:rPr lang="en-US" smtClean="0"/>
-              <a:t>3/17/2014</a:t>
+              <a:t>3/19/2014</a:t>
             </a:fld>
             <a:endParaRPr lang="en-US"/>
           </a:p>
@@ -1882,7 +1882,7 @@
           <a:p>
             <a:fld id="{13F24B86-36D2-4655-BE2F-98B661AC85E1}" type="datetimeFigureOut">
               <a:rPr lang="en-US" smtClean="0"/>
-              <a:t>3/17/2014</a:t>
+              <a:t>3/19/2014</a:t>
             </a:fld>
             <a:endParaRPr lang="en-US"/>
           </a:p>
@@ -1977,7 +1977,7 @@
           <a:p>
             <a:fld id="{13F24B86-36D2-4655-BE2F-98B661AC85E1}" type="datetimeFigureOut">
               <a:rPr lang="en-US" smtClean="0"/>
-              <a:t>3/17/2014</a:t>
+              <a:t>3/19/2014</a:t>
             </a:fld>
             <a:endParaRPr lang="en-US"/>
           </a:p>
@@ -2254,7 +2254,7 @@
           <a:p>
             <a:fld id="{13F24B86-36D2-4655-BE2F-98B661AC85E1}" type="datetimeFigureOut">
               <a:rPr lang="en-US" smtClean="0"/>
-              <a:t>3/17/2014</a:t>
+              <a:t>3/19/2014</a:t>
             </a:fld>
             <a:endParaRPr lang="en-US"/>
           </a:p>
@@ -2507,7 +2507,7 @@
           <a:p>
             <a:fld id="{13F24B86-36D2-4655-BE2F-98B661AC85E1}" type="datetimeFigureOut">
               <a:rPr lang="en-US" smtClean="0"/>
-              <a:t>3/17/2014</a:t>
+              <a:t>3/19/2014</a:t>
             </a:fld>
             <a:endParaRPr lang="en-US"/>
           </a:p>
@@ -2720,7 +2720,7 @@
           <a:p>
             <a:fld id="{13F24B86-36D2-4655-BE2F-98B661AC85E1}" type="datetimeFigureOut">
               <a:rPr lang="en-US" smtClean="0"/>
-              <a:t>3/17/2014</a:t>
+              <a:t>3/19/2014</a:t>
             </a:fld>
             <a:endParaRPr lang="en-US"/>
           </a:p>
@@ -3104,24 +3104,24 @@
           <p:nvPr>
             <p:extLst>
               <p:ext uri="{D42A27DB-BD31-4B8C-83A1-F6EECF244321}">
-                <p14:modId xmlns:p14="http://schemas.microsoft.com/office/powerpoint/2010/main" val="3549901034"/>
+                <p14:modId xmlns:p14="http://schemas.microsoft.com/office/powerpoint/2010/main" val="1875242170"/>
               </p:ext>
             </p:extLst>
           </p:nvPr>
         </p:nvGraphicFramePr>
         <p:xfrm>
-          <a:off x="91440" y="1327446"/>
-          <a:ext cx="2476500" cy="1994874"/>
+          <a:off x="191028" y="793292"/>
+          <a:ext cx="4688882" cy="1994874"/>
         </p:xfrm>
         <a:graphic>
           <a:graphicData uri="http://schemas.openxmlformats.org/drawingml/2006/table">
             <a:tbl>
-              <a:tblPr bandRow="1">
-                <a:tableStyleId>{3C2FFA5D-87B4-456A-9821-1D502468CF0F}</a:tableStyleId>
+              <a:tblPr firstRow="1" bandRow="1">
+                <a:tableStyleId>{5C22544A-7EE6-4342-B048-85BDC9FD1C3A}</a:tableStyleId>
               </a:tblPr>
               <a:tblGrid>
-                <a:gridCol w="1217468"/>
-                <a:gridCol w="1259032"/>
+                <a:gridCol w="1013084"/>
+                <a:gridCol w="3675798"/>
               </a:tblGrid>
               <a:tr h="276599">
                 <a:tc gridSpan="2">
@@ -3131,7 +3131,7 @@
                     <a:p>
                       <a:pPr algn="ctr"/>
                       <a:r>
-                        <a:rPr lang="en-US" sz="1600" b="1" dirty="0" smtClean="0">
+                        <a:rPr lang="en-US" sz="1600" dirty="0" smtClean="0">
                           <a:solidFill>
                             <a:schemeClr val="bg1"/>
                           </a:solidFill>
@@ -3173,23 +3173,10 @@
                       <a:headEnd type="none" w="med" len="med"/>
                       <a:tailEnd type="none" w="med" len="med"/>
                     </a:lnT>
-                    <a:lnB w="12700" cap="flat" cmpd="sng" algn="ctr">
-                      <a:noFill/>
-                      <a:prstDash val="solid"/>
-                      <a:round/>
-                      <a:headEnd type="none" w="med" len="med"/>
-                      <a:tailEnd type="none" w="med" len="med"/>
-                    </a:lnB>
-                    <a:lnTlToBr w="12700" cmpd="sng">
-                      <a:noFill/>
-                      <a:prstDash val="solid"/>
-                    </a:lnTlToBr>
-                    <a:lnBlToTr w="12700" cmpd="sng">
-                      <a:noFill/>
-                      <a:prstDash val="solid"/>
-                    </a:lnBlToTr>
                     <a:solidFill>
-                      <a:schemeClr val="tx2"/>
+                      <a:schemeClr val="accent1">
+                        <a:lumMod val="75000"/>
+                      </a:schemeClr>
                     </a:solidFill>
                   </a:tcPr>
                 </a:tc>
@@ -3242,10 +3229,10 @@
                     <a:lstStyle/>
                     <a:p>
                       <a:r>
-                        <a:rPr lang="en-US" sz="1200" b="0" dirty="0" smtClean="0"/>
-                        <a:t>id</a:t>
+                        <a:rPr lang="en-US" sz="1100" dirty="0" smtClean="0"/>
+                        <a:t>ID</a:t>
                       </a:r>
-                      <a:endParaRPr lang="en-US" sz="1200" b="0" dirty="0"/>
+                      <a:endParaRPr lang="en-US" sz="1100" b="0" dirty="0"/>
                     </a:p>
                   </a:txBody>
                   <a:tcPr>
@@ -3267,28 +3254,6 @@
                       <a:headEnd type="none" w="med" len="med"/>
                       <a:tailEnd type="none" w="med" len="med"/>
                     </a:lnR>
-                    <a:lnT w="12700" cap="flat" cmpd="sng" algn="ctr">
-                      <a:noFill/>
-                      <a:prstDash val="solid"/>
-                      <a:round/>
-                      <a:headEnd type="none" w="med" len="med"/>
-                      <a:tailEnd type="none" w="med" len="med"/>
-                    </a:lnT>
-                    <a:lnB w="12700" cap="flat" cmpd="sng" algn="ctr">
-                      <a:noFill/>
-                      <a:prstDash val="solid"/>
-                      <a:round/>
-                      <a:headEnd type="none" w="med" len="med"/>
-                      <a:tailEnd type="none" w="med" len="med"/>
-                    </a:lnB>
-                    <a:lnTlToBr w="12700" cmpd="sng">
-                      <a:noFill/>
-                      <a:prstDash val="solid"/>
-                    </a:lnTlToBr>
-                    <a:lnBlToTr w="12700" cmpd="sng">
-                      <a:noFill/>
-                      <a:prstDash val="solid"/>
-                    </a:lnBlToTr>
                   </a:tcPr>
                 </a:tc>
                 <a:tc>
@@ -3296,7 +3261,11 @@
                     <a:bodyPr/>
                     <a:lstStyle/>
                     <a:p>
-                      <a:endParaRPr lang="en-US" sz="1200" dirty="0"/>
+                      <a:r>
+                        <a:rPr lang="en-US" sz="1100" dirty="0" smtClean="0"/>
+                        <a:t>example:campaign-c831ab93-ff84-9cda-2bd8-b094004da969</a:t>
+                      </a:r>
+                      <a:endParaRPr lang="en-US" sz="1100" dirty="0"/>
                     </a:p>
                   </a:txBody>
                   <a:tcPr>
@@ -3318,28 +3287,6 @@
                       <a:headEnd type="none" w="med" len="med"/>
                       <a:tailEnd type="none" w="med" len="med"/>
                     </a:lnR>
-                    <a:lnT w="12700" cap="flat" cmpd="sng" algn="ctr">
-                      <a:noFill/>
-                      <a:prstDash val="solid"/>
-                      <a:round/>
-                      <a:headEnd type="none" w="med" len="med"/>
-                      <a:tailEnd type="none" w="med" len="med"/>
-                    </a:lnT>
-                    <a:lnB w="12700" cap="flat" cmpd="sng" algn="ctr">
-                      <a:noFill/>
-                      <a:prstDash val="solid"/>
-                      <a:round/>
-                      <a:headEnd type="none" w="med" len="med"/>
-                      <a:tailEnd type="none" w="med" len="med"/>
-                    </a:lnB>
-                    <a:lnTlToBr w="12700" cmpd="sng">
-                      <a:noFill/>
-                      <a:prstDash val="solid"/>
-                    </a:lnTlToBr>
-                    <a:lnBlToTr w="12700" cmpd="sng">
-                      <a:noFill/>
-                      <a:prstDash val="solid"/>
-                    </a:lnBlToTr>
                   </a:tcPr>
                 </a:tc>
               </a:tr>
@@ -3350,10 +3297,10 @@
                     <a:lstStyle/>
                     <a:p>
                       <a:r>
-                        <a:rPr lang="en-US" sz="1200" b="0" dirty="0" smtClean="0"/>
+                        <a:rPr lang="en-US" sz="1100" dirty="0" smtClean="0"/>
                         <a:t>Title</a:t>
                       </a:r>
-                      <a:endParaRPr lang="en-US" sz="1200" b="0" dirty="0"/>
+                      <a:endParaRPr lang="en-US" sz="1100" b="0" dirty="0"/>
                     </a:p>
                   </a:txBody>
                   <a:tcPr>
@@ -3375,28 +3322,6 @@
                       <a:headEnd type="none" w="med" len="med"/>
                       <a:tailEnd type="none" w="med" len="med"/>
                     </a:lnR>
-                    <a:lnT w="12700" cap="flat" cmpd="sng" algn="ctr">
-                      <a:noFill/>
-                      <a:prstDash val="solid"/>
-                      <a:round/>
-                      <a:headEnd type="none" w="med" len="med"/>
-                      <a:tailEnd type="none" w="med" len="med"/>
-                    </a:lnT>
-                    <a:lnB w="12700" cap="flat" cmpd="sng" algn="ctr">
-                      <a:noFill/>
-                      <a:prstDash val="solid"/>
-                      <a:round/>
-                      <a:headEnd type="none" w="med" len="med"/>
-                      <a:tailEnd type="none" w="med" len="med"/>
-                    </a:lnB>
-                    <a:lnTlToBr w="12700" cmpd="sng">
-                      <a:noFill/>
-                      <a:prstDash val="solid"/>
-                    </a:lnTlToBr>
-                    <a:lnBlToTr w="12700" cmpd="sng">
-                      <a:noFill/>
-                      <a:prstDash val="solid"/>
-                    </a:lnBlToTr>
                   </a:tcPr>
                 </a:tc>
                 <a:tc>
@@ -3405,10 +3330,10 @@
                     <a:lstStyle/>
                     <a:p>
                       <a:r>
-                        <a:rPr lang="en-US" sz="1200" dirty="0" smtClean="0"/>
+                        <a:rPr lang="en-US" sz="1100" dirty="0" smtClean="0"/>
                         <a:t>Operation Alpha</a:t>
                       </a:r>
-                      <a:endParaRPr lang="en-US" sz="1200" dirty="0"/>
+                      <a:endParaRPr lang="en-US" sz="1100" dirty="0"/>
                     </a:p>
                   </a:txBody>
                   <a:tcPr>
@@ -3430,28 +3355,6 @@
                       <a:headEnd type="none" w="med" len="med"/>
                       <a:tailEnd type="none" w="med" len="med"/>
                     </a:lnR>
-                    <a:lnT w="12700" cap="flat" cmpd="sng" algn="ctr">
-                      <a:noFill/>
-                      <a:prstDash val="solid"/>
-                      <a:round/>
-                      <a:headEnd type="none" w="med" len="med"/>
-                      <a:tailEnd type="none" w="med" len="med"/>
-                    </a:lnT>
-                    <a:lnB w="12700" cap="flat" cmpd="sng" algn="ctr">
-                      <a:noFill/>
-                      <a:prstDash val="solid"/>
-                      <a:round/>
-                      <a:headEnd type="none" w="med" len="med"/>
-                      <a:tailEnd type="none" w="med" len="med"/>
-                    </a:lnB>
-                    <a:lnTlToBr w="12700" cmpd="sng">
-                      <a:noFill/>
-                      <a:prstDash val="solid"/>
-                    </a:lnTlToBr>
-                    <a:lnBlToTr w="12700" cmpd="sng">
-                      <a:noFill/>
-                      <a:prstDash val="solid"/>
-                    </a:lnBlToTr>
                   </a:tcPr>
                 </a:tc>
               </a:tr>
@@ -3462,10 +3365,10 @@
                     <a:lstStyle/>
                     <a:p>
                       <a:r>
-                        <a:rPr lang="en-US" sz="1200" b="0" dirty="0" err="1" smtClean="0"/>
-                        <a:t>Related_TTP</a:t>
+                        <a:rPr lang="en-US" sz="1100" dirty="0" smtClean="0"/>
+                        <a:t>Related TTP</a:t>
                       </a:r>
-                      <a:endParaRPr lang="en-US" sz="1200" b="0" dirty="0"/>
+                      <a:endParaRPr lang="en-US" sz="1100" b="0" dirty="0"/>
                     </a:p>
                   </a:txBody>
                   <a:tcPr>
@@ -3487,28 +3390,6 @@
                       <a:headEnd type="none" w="med" len="med"/>
                       <a:tailEnd type="none" w="med" len="med"/>
                     </a:lnR>
-                    <a:lnT w="12700" cap="flat" cmpd="sng" algn="ctr">
-                      <a:noFill/>
-                      <a:prstDash val="solid"/>
-                      <a:round/>
-                      <a:headEnd type="none" w="med" len="med"/>
-                      <a:tailEnd type="none" w="med" len="med"/>
-                    </a:lnT>
-                    <a:lnB w="12700" cap="flat" cmpd="sng" algn="ctr">
-                      <a:noFill/>
-                      <a:prstDash val="solid"/>
-                      <a:round/>
-                      <a:headEnd type="none" w="med" len="med"/>
-                      <a:tailEnd type="none" w="med" len="med"/>
-                    </a:lnB>
-                    <a:lnTlToBr w="12700" cmpd="sng">
-                      <a:noFill/>
-                      <a:prstDash val="solid"/>
-                    </a:lnTlToBr>
-                    <a:lnBlToTr w="12700" cmpd="sng">
-                      <a:noFill/>
-                      <a:prstDash val="solid"/>
-                    </a:lnBlToTr>
                   </a:tcPr>
                 </a:tc>
                 <a:tc>
@@ -3516,7 +3397,7 @@
                     <a:bodyPr/>
                     <a:lstStyle/>
                     <a:p>
-                      <a:endParaRPr lang="en-US" sz="1200" dirty="0"/>
+                      <a:endParaRPr lang="en-US" sz="1100" dirty="0"/>
                     </a:p>
                   </a:txBody>
                   <a:tcPr>
@@ -3538,28 +3419,6 @@
                       <a:headEnd type="none" w="med" len="med"/>
                       <a:tailEnd type="none" w="med" len="med"/>
                     </a:lnR>
-                    <a:lnT w="12700" cap="flat" cmpd="sng" algn="ctr">
-                      <a:noFill/>
-                      <a:prstDash val="solid"/>
-                      <a:round/>
-                      <a:headEnd type="none" w="med" len="med"/>
-                      <a:tailEnd type="none" w="med" len="med"/>
-                    </a:lnT>
-                    <a:lnB w="12700" cap="flat" cmpd="sng" algn="ctr">
-                      <a:noFill/>
-                      <a:prstDash val="solid"/>
-                      <a:round/>
-                      <a:headEnd type="none" w="med" len="med"/>
-                      <a:tailEnd type="none" w="med" len="med"/>
-                    </a:lnB>
-                    <a:lnTlToBr w="12700" cmpd="sng">
-                      <a:noFill/>
-                      <a:prstDash val="solid"/>
-                    </a:lnTlToBr>
-                    <a:lnBlToTr w="12700" cmpd="sng">
-                      <a:noFill/>
-                      <a:prstDash val="solid"/>
-                    </a:lnBlToTr>
                   </a:tcPr>
                 </a:tc>
               </a:tr>
@@ -3570,10 +3429,10 @@
                     <a:lstStyle/>
                     <a:p>
                       <a:r>
-                        <a:rPr lang="en-US" sz="1200" b="0" dirty="0" smtClean="0"/>
+                        <a:rPr lang="en-US" sz="1100" dirty="0" smtClean="0"/>
                         <a:t>    TTP</a:t>
                       </a:r>
-                      <a:endParaRPr lang="en-US" sz="1200" b="0" dirty="0"/>
+                      <a:endParaRPr lang="en-US" sz="1100" b="0" dirty="0"/>
                     </a:p>
                   </a:txBody>
                   <a:tcPr>
@@ -3595,28 +3454,6 @@
                       <a:headEnd type="none" w="med" len="med"/>
                       <a:tailEnd type="none" w="med" len="med"/>
                     </a:lnR>
-                    <a:lnT w="12700" cap="flat" cmpd="sng" algn="ctr">
-                      <a:noFill/>
-                      <a:prstDash val="solid"/>
-                      <a:round/>
-                      <a:headEnd type="none" w="med" len="med"/>
-                      <a:tailEnd type="none" w="med" len="med"/>
-                    </a:lnT>
-                    <a:lnB w="12700" cap="flat" cmpd="sng" algn="ctr">
-                      <a:noFill/>
-                      <a:prstDash val="solid"/>
-                      <a:round/>
-                      <a:headEnd type="none" w="med" len="med"/>
-                      <a:tailEnd type="none" w="med" len="med"/>
-                    </a:lnB>
-                    <a:lnTlToBr w="12700" cmpd="sng">
-                      <a:noFill/>
-                      <a:prstDash val="solid"/>
-                    </a:lnTlToBr>
-                    <a:lnBlToTr w="12700" cmpd="sng">
-                      <a:noFill/>
-                      <a:prstDash val="solid"/>
-                    </a:lnBlToTr>
                   </a:tcPr>
                 </a:tc>
                 <a:tc>
@@ -3624,7 +3461,7 @@
                     <a:bodyPr/>
                     <a:lstStyle/>
                     <a:p>
-                      <a:endParaRPr lang="en-US" sz="1200" dirty="0"/>
+                      <a:endParaRPr lang="en-US" sz="1100" dirty="0"/>
                     </a:p>
                   </a:txBody>
                   <a:tcPr>
@@ -3646,28 +3483,6 @@
                       <a:headEnd type="none" w="med" len="med"/>
                       <a:tailEnd type="none" w="med" len="med"/>
                     </a:lnR>
-                    <a:lnT w="12700" cap="flat" cmpd="sng" algn="ctr">
-                      <a:noFill/>
-                      <a:prstDash val="solid"/>
-                      <a:round/>
-                      <a:headEnd type="none" w="med" len="med"/>
-                      <a:tailEnd type="none" w="med" len="med"/>
-                    </a:lnT>
-                    <a:lnB w="12700" cap="flat" cmpd="sng" algn="ctr">
-                      <a:noFill/>
-                      <a:prstDash val="solid"/>
-                      <a:round/>
-                      <a:headEnd type="none" w="med" len="med"/>
-                      <a:tailEnd type="none" w="med" len="med"/>
-                    </a:lnB>
-                    <a:lnTlToBr w="12700" cmpd="sng">
-                      <a:noFill/>
-                      <a:prstDash val="solid"/>
-                    </a:lnTlToBr>
-                    <a:lnBlToTr w="12700" cmpd="sng">
-                      <a:noFill/>
-                      <a:prstDash val="solid"/>
-                    </a:lnBlToTr>
                   </a:tcPr>
                 </a:tc>
               </a:tr>
@@ -3678,14 +3493,14 @@
                     <a:lstStyle/>
                     <a:p>
                       <a:r>
-                        <a:rPr lang="en-US" sz="1200" b="0" dirty="0" smtClean="0"/>
+                        <a:rPr lang="en-US" sz="1100" dirty="0" smtClean="0"/>
                         <a:t>        </a:t>
                       </a:r>
                       <a:r>
-                        <a:rPr lang="en-US" sz="1200" b="0" dirty="0" err="1" smtClean="0"/>
+                        <a:rPr lang="en-US" sz="1100" dirty="0" err="1" smtClean="0"/>
                         <a:t>idref</a:t>
                       </a:r>
-                      <a:endParaRPr lang="en-US" sz="1200" b="0" dirty="0"/>
+                      <a:endParaRPr lang="en-US" sz="1100" b="0" dirty="0"/>
                     </a:p>
                   </a:txBody>
                   <a:tcPr>
@@ -3707,28 +3522,6 @@
                       <a:headEnd type="none" w="med" len="med"/>
                       <a:tailEnd type="none" w="med" len="med"/>
                     </a:lnR>
-                    <a:lnT w="12700" cap="flat" cmpd="sng" algn="ctr">
-                      <a:noFill/>
-                      <a:prstDash val="solid"/>
-                      <a:round/>
-                      <a:headEnd type="none" w="med" len="med"/>
-                      <a:tailEnd type="none" w="med" len="med"/>
-                    </a:lnT>
-                    <a:lnB w="12700" cap="flat" cmpd="sng" algn="ctr">
-                      <a:noFill/>
-                      <a:prstDash val="solid"/>
-                      <a:round/>
-                      <a:headEnd type="none" w="med" len="med"/>
-                      <a:tailEnd type="none" w="med" len="med"/>
-                    </a:lnB>
-                    <a:lnTlToBr w="12700" cmpd="sng">
-                      <a:noFill/>
-                      <a:prstDash val="solid"/>
-                    </a:lnTlToBr>
-                    <a:lnBlToTr w="12700" cmpd="sng">
-                      <a:noFill/>
-                      <a:prstDash val="solid"/>
-                    </a:lnBlToTr>
                   </a:tcPr>
                 </a:tc>
                 <a:tc>
@@ -3736,7 +3529,11 @@
                     <a:bodyPr/>
                     <a:lstStyle/>
                     <a:p>
-                      <a:endParaRPr lang="en-US" sz="1200" dirty="0"/>
+                      <a:r>
+                        <a:rPr lang="en-US" sz="1100" dirty="0" smtClean="0"/>
+                        <a:t>example:ttp-4fde045a-b25f-f035-e8d0-29c9d5130cd9</a:t>
+                      </a:r>
+                      <a:endParaRPr lang="en-US" sz="1100" dirty="0"/>
                     </a:p>
                   </a:txBody>
                   <a:tcPr>
@@ -3758,28 +3555,6 @@
                       <a:headEnd type="none" w="med" len="med"/>
                       <a:tailEnd type="none" w="med" len="med"/>
                     </a:lnR>
-                    <a:lnT w="12700" cap="flat" cmpd="sng" algn="ctr">
-                      <a:noFill/>
-                      <a:prstDash val="solid"/>
-                      <a:round/>
-                      <a:headEnd type="none" w="med" len="med"/>
-                      <a:tailEnd type="none" w="med" len="med"/>
-                    </a:lnT>
-                    <a:lnB w="12700" cap="flat" cmpd="sng" algn="ctr">
-                      <a:noFill/>
-                      <a:prstDash val="solid"/>
-                      <a:round/>
-                      <a:headEnd type="none" w="med" len="med"/>
-                      <a:tailEnd type="none" w="med" len="med"/>
-                    </a:lnB>
-                    <a:lnTlToBr w="12700" cmpd="sng">
-                      <a:noFill/>
-                      <a:prstDash val="solid"/>
-                    </a:lnTlToBr>
-                    <a:lnBlToTr w="12700" cmpd="sng">
-                      <a:noFill/>
-                      <a:prstDash val="solid"/>
-                    </a:lnBlToTr>
                   </a:tcPr>
                 </a:tc>
               </a:tr>
@@ -3790,10 +3565,10 @@
                     <a:lstStyle/>
                     <a:p>
                       <a:r>
-                        <a:rPr lang="en-US" sz="1200" b="0" dirty="0" smtClean="0"/>
+                        <a:rPr lang="en-US" sz="1100" dirty="0" smtClean="0"/>
                         <a:t>    Relationship</a:t>
                       </a:r>
-                      <a:endParaRPr lang="en-US" sz="1200" b="0" dirty="0"/>
+                      <a:endParaRPr lang="en-US" sz="1100" b="0" dirty="0"/>
                     </a:p>
                   </a:txBody>
                   <a:tcPr>
@@ -3815,13 +3590,6 @@
                       <a:headEnd type="none" w="med" len="med"/>
                       <a:tailEnd type="none" w="med" len="med"/>
                     </a:lnR>
-                    <a:lnT w="12700" cap="flat" cmpd="sng" algn="ctr">
-                      <a:noFill/>
-                      <a:prstDash val="solid"/>
-                      <a:round/>
-                      <a:headEnd type="none" w="med" len="med"/>
-                      <a:tailEnd type="none" w="med" len="med"/>
-                    </a:lnT>
                     <a:lnB w="12700" cap="flat" cmpd="sng" algn="ctr">
                       <a:solidFill>
                         <a:schemeClr val="tx1"/>
@@ -3831,14 +3599,6 @@
                       <a:headEnd type="none" w="med" len="med"/>
                       <a:tailEnd type="none" w="med" len="med"/>
                     </a:lnB>
-                    <a:lnTlToBr w="12700" cmpd="sng">
-                      <a:noFill/>
-                      <a:prstDash val="solid"/>
-                    </a:lnTlToBr>
-                    <a:lnBlToTr w="12700" cmpd="sng">
-                      <a:noFill/>
-                      <a:prstDash val="solid"/>
-                    </a:lnBlToTr>
                   </a:tcPr>
                 </a:tc>
                 <a:tc>
@@ -3847,10 +3607,10 @@
                     <a:lstStyle/>
                     <a:p>
                       <a:r>
-                        <a:rPr lang="en-US" sz="1200" dirty="0" smtClean="0"/>
+                        <a:rPr lang="en-US" sz="1100" dirty="0" smtClean="0"/>
                         <a:t>Targets</a:t>
                       </a:r>
-                      <a:endParaRPr lang="en-US" sz="1200" dirty="0"/>
+                      <a:endParaRPr lang="en-US" sz="1100" dirty="0"/>
                     </a:p>
                   </a:txBody>
                   <a:tcPr>
@@ -3872,13 +3632,6 @@
                       <a:headEnd type="none" w="med" len="med"/>
                       <a:tailEnd type="none" w="med" len="med"/>
                     </a:lnR>
-                    <a:lnT w="12700" cap="flat" cmpd="sng" algn="ctr">
-                      <a:noFill/>
-                      <a:prstDash val="solid"/>
-                      <a:round/>
-                      <a:headEnd type="none" w="med" len="med"/>
-                      <a:tailEnd type="none" w="med" len="med"/>
-                    </a:lnT>
                     <a:lnB w="12700" cap="flat" cmpd="sng" algn="ctr">
                       <a:solidFill>
                         <a:schemeClr val="tx1"/>
@@ -3888,14 +3641,6 @@
                       <a:headEnd type="none" w="med" len="med"/>
                       <a:tailEnd type="none" w="med" len="med"/>
                     </a:lnB>
-                    <a:lnTlToBr w="12700" cmpd="sng">
-                      <a:noFill/>
-                      <a:prstDash val="solid"/>
-                    </a:lnTlToBr>
-                    <a:lnBlToTr w="12700" cmpd="sng">
-                      <a:noFill/>
-                      <a:prstDash val="solid"/>
-                    </a:lnBlToTr>
                   </a:tcPr>
                 </a:tc>
               </a:tr>
@@ -3912,38 +3657,35 @@
           <p:nvPr>
             <p:extLst>
               <p:ext uri="{D42A27DB-BD31-4B8C-83A1-F6EECF244321}">
-                <p14:modId xmlns:p14="http://schemas.microsoft.com/office/powerpoint/2010/main" val="2447770622"/>
+                <p14:modId xmlns:p14="http://schemas.microsoft.com/office/powerpoint/2010/main" val="3833087149"/>
               </p:ext>
             </p:extLst>
           </p:nvPr>
         </p:nvGraphicFramePr>
         <p:xfrm>
-          <a:off x="3048000" y="1327446"/>
-          <a:ext cx="4594860" cy="2079477"/>
+          <a:off x="191028" y="3063958"/>
+          <a:ext cx="5691674" cy="1718275"/>
         </p:xfrm>
         <a:graphic>
           <a:graphicData uri="http://schemas.openxmlformats.org/drawingml/2006/table">
             <a:tbl>
-              <a:tblPr bandRow="1">
-                <a:tableStyleId>{3C2FFA5D-87B4-456A-9821-1D502468CF0F}</a:tableStyleId>
+              <a:tblPr firstRow="1" bandRow="1">
+                <a:tableStyleId>{5C22544A-7EE6-4342-B048-85BDC9FD1C3A}</a:tableStyleId>
               </a:tblPr>
               <a:tblGrid>
-                <a:gridCol w="1699260"/>
-                <a:gridCol w="2895600"/>
+                <a:gridCol w="1623526"/>
+                <a:gridCol w="2183364"/>
+                <a:gridCol w="1884784"/>
               </a:tblGrid>
               <a:tr h="276599">
-                <a:tc gridSpan="2">
+                <a:tc gridSpan="3">
                   <a:txBody>
                     <a:bodyPr/>
                     <a:lstStyle/>
                     <a:p>
                       <a:pPr algn="ctr"/>
                       <a:r>
-                        <a:rPr lang="en-US" sz="1600" b="1" dirty="0" smtClean="0">
-                          <a:solidFill>
-                            <a:schemeClr val="bg1"/>
-                          </a:solidFill>
-                        </a:rPr>
+                        <a:rPr lang="en-US" sz="1600" dirty="0" smtClean="0"/>
                         <a:t>TTP</a:t>
                       </a:r>
                       <a:endParaRPr lang="en-US" sz="1600" b="1" dirty="0">
@@ -3981,23 +3723,10 @@
                       <a:headEnd type="none" w="med" len="med"/>
                       <a:tailEnd type="none" w="med" len="med"/>
                     </a:lnT>
-                    <a:lnB w="12700" cap="flat" cmpd="sng" algn="ctr">
-                      <a:noFill/>
-                      <a:prstDash val="solid"/>
-                      <a:round/>
-                      <a:headEnd type="none" w="med" len="med"/>
-                      <a:tailEnd type="none" w="med" len="med"/>
-                    </a:lnB>
-                    <a:lnTlToBr w="12700" cmpd="sng">
-                      <a:noFill/>
-                      <a:prstDash val="solid"/>
-                    </a:lnTlToBr>
-                    <a:lnBlToTr w="12700" cmpd="sng">
-                      <a:noFill/>
-                      <a:prstDash val="solid"/>
-                    </a:lnBlToTr>
                     <a:solidFill>
-                      <a:schemeClr val="tx2"/>
+                      <a:schemeClr val="accent1">
+                        <a:lumMod val="75000"/>
+                      </a:schemeClr>
                     </a:solidFill>
                   </a:tcPr>
                 </a:tc>
@@ -4042,6 +3771,16 @@
                     </a:lnBlToTr>
                   </a:tcPr>
                 </a:tc>
+                <a:tc hMerge="1">
+                  <a:txBody>
+                    <a:bodyPr/>
+                    <a:lstStyle/>
+                    <a:p>
+                      <a:endParaRPr lang="en-US"/>
+                    </a:p>
+                  </a:txBody>
+                  <a:tcPr/>
+                </a:tc>
               </a:tr>
               <a:tr h="276599">
                 <a:tc>
@@ -4050,10 +3789,10 @@
                     <a:lstStyle/>
                     <a:p>
                       <a:r>
-                        <a:rPr lang="en-US" sz="1200" b="0" dirty="0" smtClean="0"/>
-                        <a:t>id</a:t>
+                        <a:rPr lang="en-US" sz="1100" dirty="0" smtClean="0"/>
+                        <a:t>ID</a:t>
                       </a:r>
-                      <a:endParaRPr lang="en-US" sz="1200" b="0" dirty="0"/>
+                      <a:endParaRPr lang="en-US" sz="1100" b="0" dirty="0"/>
                     </a:p>
                   </a:txBody>
                   <a:tcPr>
@@ -4075,28 +3814,256 @@
                       <a:headEnd type="none" w="med" len="med"/>
                       <a:tailEnd type="none" w="med" len="med"/>
                     </a:lnR>
-                    <a:lnT w="12700" cap="flat" cmpd="sng" algn="ctr">
-                      <a:noFill/>
-                      <a:prstDash val="solid"/>
-                      <a:round/>
-                      <a:headEnd type="none" w="med" len="med"/>
-                      <a:tailEnd type="none" w="med" len="med"/>
-                    </a:lnT>
-                    <a:lnB w="12700" cap="flat" cmpd="sng" algn="ctr">
-                      <a:noFill/>
-                      <a:prstDash val="solid"/>
-                      <a:round/>
-                      <a:headEnd type="none" w="med" len="med"/>
-                      <a:tailEnd type="none" w="med" len="med"/>
-                    </a:lnB>
-                    <a:lnTlToBr w="12700" cmpd="sng">
-                      <a:noFill/>
-                      <a:prstDash val="solid"/>
-                    </a:lnTlToBr>
-                    <a:lnBlToTr w="12700" cmpd="sng">
-                      <a:noFill/>
-                      <a:prstDash val="solid"/>
-                    </a:lnBlToTr>
+                  </a:tcPr>
+                </a:tc>
+                <a:tc gridSpan="2">
+                  <a:txBody>
+                    <a:bodyPr/>
+                    <a:lstStyle/>
+                    <a:p>
+                      <a:pPr marL="0" marR="0" indent="0" algn="l" defTabSz="914400" rtl="0" eaLnBrk="1" fontAlgn="auto" latinLnBrk="0" hangingPunct="1">
+                        <a:lnSpc>
+                          <a:spcPct val="100000"/>
+                        </a:lnSpc>
+                        <a:spcBef>
+                          <a:spcPts val="0"/>
+                        </a:spcBef>
+                        <a:spcAft>
+                          <a:spcPts val="0"/>
+                        </a:spcAft>
+                        <a:buClrTx/>
+                        <a:buSzTx/>
+                        <a:buFontTx/>
+                        <a:buNone/>
+                        <a:tabLst/>
+                        <a:defRPr/>
+                      </a:pPr>
+                      <a:r>
+                        <a:rPr lang="en-US" sz="1100" dirty="0" smtClean="0"/>
+                        <a:t>example:ttp-4fde045a-b25f-f035-e8d0-29c9d5130cd9</a:t>
+                      </a:r>
+                    </a:p>
+                  </a:txBody>
+                  <a:tcPr>
+                    <a:lnL w="12700" cap="flat" cmpd="sng" algn="ctr">
+                      <a:solidFill>
+                        <a:schemeClr val="tx1"/>
+                      </a:solidFill>
+                      <a:prstDash val="solid"/>
+                      <a:round/>
+                      <a:headEnd type="none" w="med" len="med"/>
+                      <a:tailEnd type="none" w="med" len="med"/>
+                    </a:lnL>
+                    <a:lnR w="12700" cap="flat" cmpd="sng" algn="ctr">
+                      <a:solidFill>
+                        <a:schemeClr val="tx1"/>
+                      </a:solidFill>
+                      <a:prstDash val="solid"/>
+                      <a:round/>
+                      <a:headEnd type="none" w="med" len="med"/>
+                      <a:tailEnd type="none" w="med" len="med"/>
+                    </a:lnR>
+                  </a:tcPr>
+                </a:tc>
+                <a:tc hMerge="1">
+                  <a:txBody>
+                    <a:bodyPr/>
+                    <a:lstStyle/>
+                    <a:p>
+                      <a:endParaRPr lang="en-US"/>
+                    </a:p>
+                  </a:txBody>
+                  <a:tcPr/>
+                </a:tc>
+              </a:tr>
+              <a:tr h="276599">
+                <a:tc>
+                  <a:txBody>
+                    <a:bodyPr/>
+                    <a:lstStyle/>
+                    <a:p>
+                      <a:r>
+                        <a:rPr lang="en-US" sz="1100" dirty="0" smtClean="0"/>
+                        <a:t>Title</a:t>
+                      </a:r>
+                      <a:endParaRPr lang="en-US" sz="1100" b="0" dirty="0"/>
+                    </a:p>
+                  </a:txBody>
+                  <a:tcPr>
+                    <a:lnL w="12700" cap="flat" cmpd="sng" algn="ctr">
+                      <a:solidFill>
+                        <a:schemeClr val="tx1"/>
+                      </a:solidFill>
+                      <a:prstDash val="solid"/>
+                      <a:round/>
+                      <a:headEnd type="none" w="med" len="med"/>
+                      <a:tailEnd type="none" w="med" len="med"/>
+                    </a:lnL>
+                    <a:lnR w="12700" cap="flat" cmpd="sng" algn="ctr">
+                      <a:solidFill>
+                        <a:schemeClr val="tx1"/>
+                      </a:solidFill>
+                      <a:prstDash val="solid"/>
+                      <a:round/>
+                      <a:headEnd type="none" w="med" len="med"/>
+                      <a:tailEnd type="none" w="med" len="med"/>
+                    </a:lnR>
+                  </a:tcPr>
+                </a:tc>
+                <a:tc gridSpan="2">
+                  <a:txBody>
+                    <a:bodyPr/>
+                    <a:lstStyle/>
+                    <a:p>
+                      <a:r>
+                        <a:rPr lang="en-US" sz="1100" dirty="0" smtClean="0"/>
+                        <a:t>Victim</a:t>
+                      </a:r>
+                      <a:r>
+                        <a:rPr lang="en-US" sz="1100" baseline="0" dirty="0" smtClean="0"/>
+                        <a:t> Targeting for Operation Alpha</a:t>
+                      </a:r>
+                      <a:endParaRPr lang="en-US" sz="1100" b="0" baseline="0" dirty="0" smtClean="0"/>
+                    </a:p>
+                  </a:txBody>
+                  <a:tcPr>
+                    <a:lnL w="12700" cap="flat" cmpd="sng" algn="ctr">
+                      <a:solidFill>
+                        <a:schemeClr val="tx1"/>
+                      </a:solidFill>
+                      <a:prstDash val="solid"/>
+                      <a:round/>
+                      <a:headEnd type="none" w="med" len="med"/>
+                      <a:tailEnd type="none" w="med" len="med"/>
+                    </a:lnL>
+                    <a:lnR w="12700" cap="flat" cmpd="sng" algn="ctr">
+                      <a:solidFill>
+                        <a:schemeClr val="tx1"/>
+                      </a:solidFill>
+                      <a:prstDash val="solid"/>
+                      <a:round/>
+                      <a:headEnd type="none" w="med" len="med"/>
+                      <a:tailEnd type="none" w="med" len="med"/>
+                    </a:lnR>
+                  </a:tcPr>
+                </a:tc>
+                <a:tc hMerge="1">
+                  <a:txBody>
+                    <a:bodyPr/>
+                    <a:lstStyle/>
+                    <a:p>
+                      <a:endParaRPr lang="en-US"/>
+                    </a:p>
+                  </a:txBody>
+                  <a:tcPr/>
+                </a:tc>
+              </a:tr>
+              <a:tr h="276599">
+                <a:tc>
+                  <a:txBody>
+                    <a:bodyPr/>
+                    <a:lstStyle/>
+                    <a:p>
+                      <a:r>
+                        <a:rPr lang="en-US" sz="1100" dirty="0" smtClean="0"/>
+                        <a:t>Victim Targeting</a:t>
+                      </a:r>
+                      <a:endParaRPr lang="en-US" sz="1100" b="0" dirty="0"/>
+                    </a:p>
+                  </a:txBody>
+                  <a:tcPr>
+                    <a:lnL w="12700" cap="flat" cmpd="sng" algn="ctr">
+                      <a:solidFill>
+                        <a:schemeClr val="tx1"/>
+                      </a:solidFill>
+                      <a:prstDash val="solid"/>
+                      <a:round/>
+                      <a:headEnd type="none" w="med" len="med"/>
+                      <a:tailEnd type="none" w="med" len="med"/>
+                    </a:lnL>
+                    <a:lnR w="12700" cap="flat" cmpd="sng" algn="ctr">
+                      <a:solidFill>
+                        <a:schemeClr val="tx1"/>
+                      </a:solidFill>
+                      <a:prstDash val="solid"/>
+                      <a:round/>
+                      <a:headEnd type="none" w="med" len="med"/>
+                      <a:tailEnd type="none" w="med" len="med"/>
+                    </a:lnR>
+                  </a:tcPr>
+                </a:tc>
+                <a:tc gridSpan="2">
+                  <a:txBody>
+                    <a:bodyPr/>
+                    <a:lstStyle/>
+                    <a:p>
+                      <a:endParaRPr lang="en-US" sz="1100" b="0" baseline="0" dirty="0" smtClean="0"/>
+                    </a:p>
+                  </a:txBody>
+                  <a:tcPr>
+                    <a:lnL w="12700" cap="flat" cmpd="sng" algn="ctr">
+                      <a:solidFill>
+                        <a:schemeClr val="tx1"/>
+                      </a:solidFill>
+                      <a:prstDash val="solid"/>
+                      <a:round/>
+                      <a:headEnd type="none" w="med" len="med"/>
+                      <a:tailEnd type="none" w="med" len="med"/>
+                    </a:lnL>
+                    <a:lnR w="12700" cap="flat" cmpd="sng" algn="ctr">
+                      <a:solidFill>
+                        <a:schemeClr val="tx1"/>
+                      </a:solidFill>
+                      <a:prstDash val="solid"/>
+                      <a:round/>
+                      <a:headEnd type="none" w="med" len="med"/>
+                      <a:tailEnd type="none" w="med" len="med"/>
+                    </a:lnR>
+                  </a:tcPr>
+                </a:tc>
+                <a:tc hMerge="1">
+                  <a:txBody>
+                    <a:bodyPr/>
+                    <a:lstStyle/>
+                    <a:p>
+                      <a:endParaRPr lang="en-US"/>
+                    </a:p>
+                  </a:txBody>
+                  <a:tcPr/>
+                </a:tc>
+              </a:tr>
+              <a:tr h="276599">
+                <a:tc>
+                  <a:txBody>
+                    <a:bodyPr/>
+                    <a:lstStyle/>
+                    <a:p>
+                      <a:r>
+                        <a:rPr lang="en-US" sz="1100" dirty="0" smtClean="0"/>
+                        <a:t>    Targeted Information</a:t>
+                      </a:r>
+                      <a:endParaRPr lang="en-US" sz="1100" b="0" dirty="0"/>
+                    </a:p>
+                  </a:txBody>
+                  <a:tcPr>
+                    <a:lnL w="12700" cap="flat" cmpd="sng" algn="ctr">
+                      <a:solidFill>
+                        <a:schemeClr val="tx1"/>
+                      </a:solidFill>
+                      <a:prstDash val="solid"/>
+                      <a:round/>
+                      <a:headEnd type="none" w="med" len="med"/>
+                      <a:tailEnd type="none" w="med" len="med"/>
+                    </a:lnL>
+                    <a:lnR w="12700" cap="flat" cmpd="sng" algn="ctr">
+                      <a:solidFill>
+                        <a:schemeClr val="tx1"/>
+                      </a:solidFill>
+                      <a:prstDash val="solid"/>
+                      <a:round/>
+                      <a:headEnd type="none" w="med" len="med"/>
+                      <a:tailEnd type="none" w="med" len="med"/>
+                    </a:lnR>
                   </a:tcPr>
                 </a:tc>
                 <a:tc>
@@ -4104,7 +4071,11 @@
                     <a:bodyPr/>
                     <a:lstStyle/>
                     <a:p>
-                      <a:endParaRPr lang="en-US" sz="1200" dirty="0"/>
+                      <a:r>
+                        <a:rPr lang="en-US" sz="1100" baseline="0" dirty="0" smtClean="0"/>
+                        <a:t>Information Assets – Customer PII</a:t>
+                      </a:r>
+                      <a:endParaRPr lang="en-US" sz="1100" b="1" baseline="0" dirty="0" smtClean="0"/>
                     </a:p>
                   </a:txBody>
                   <a:tcPr>
@@ -4118,36 +4089,56 @@
                       <a:tailEnd type="none" w="med" len="med"/>
                     </a:lnL>
                     <a:lnR w="12700" cap="flat" cmpd="sng" algn="ctr">
-                      <a:solidFill>
-                        <a:schemeClr val="tx1"/>
-                      </a:solidFill>
+                      <a:noFill/>
                       <a:prstDash val="solid"/>
                       <a:round/>
                       <a:headEnd type="none" w="med" len="med"/>
                       <a:tailEnd type="none" w="med" len="med"/>
                     </a:lnR>
-                    <a:lnT w="12700" cap="flat" cmpd="sng" algn="ctr">
+                  </a:tcPr>
+                </a:tc>
+                <a:tc>
+                  <a:txBody>
+                    <a:bodyPr/>
+                    <a:lstStyle/>
+                    <a:p>
+                      <a:pPr algn="r"/>
+                      <a:r>
+                        <a:rPr lang="en-US" sz="1100" baseline="0" dirty="0" smtClean="0">
+                          <a:solidFill>
+                            <a:schemeClr val="bg1">
+                              <a:lumMod val="50000"/>
+                            </a:schemeClr>
+                          </a:solidFill>
+                        </a:rPr>
+                        <a:t>InformationTypeVocab-1.0</a:t>
+                      </a:r>
+                      <a:endParaRPr lang="en-US" sz="1100" b="1" baseline="0" dirty="0" smtClean="0">
+                        <a:solidFill>
+                          <a:schemeClr val="bg1">
+                            <a:lumMod val="50000"/>
+                          </a:schemeClr>
+                        </a:solidFill>
+                      </a:endParaRPr>
+                    </a:p>
+                  </a:txBody>
+                  <a:tcPr>
+                    <a:lnL w="12700" cap="flat" cmpd="sng" algn="ctr">
                       <a:noFill/>
                       <a:prstDash val="solid"/>
                       <a:round/>
                       <a:headEnd type="none" w="med" len="med"/>
                       <a:tailEnd type="none" w="med" len="med"/>
-                    </a:lnT>
-                    <a:lnB w="12700" cap="flat" cmpd="sng" algn="ctr">
-                      <a:noFill/>
-                      <a:prstDash val="solid"/>
-                      <a:round/>
-                      <a:headEnd type="none" w="med" len="med"/>
-                      <a:tailEnd type="none" w="med" len="med"/>
-                    </a:lnB>
-                    <a:lnTlToBr w="12700" cmpd="sng">
-                      <a:noFill/>
-                      <a:prstDash val="solid"/>
-                    </a:lnTlToBr>
-                    <a:lnBlToTr w="12700" cmpd="sng">
-                      <a:noFill/>
-                      <a:prstDash val="solid"/>
-                    </a:lnBlToTr>
+                    </a:lnL>
+                    <a:lnR w="12700" cap="flat" cmpd="sng" algn="ctr">
+                      <a:solidFill>
+                        <a:schemeClr val="tx1"/>
+                      </a:solidFill>
+                      <a:prstDash val="solid"/>
+                      <a:round/>
+                      <a:headEnd type="none" w="med" len="med"/>
+                      <a:tailEnd type="none" w="med" len="med"/>
+                    </a:lnR>
                   </a:tcPr>
                 </a:tc>
               </a:tr>
@@ -4158,10 +4149,10 @@
                     <a:lstStyle/>
                     <a:p>
                       <a:r>
-                        <a:rPr lang="en-US" sz="1200" b="0" dirty="0" smtClean="0"/>
-                        <a:t>Title</a:t>
+                        <a:rPr lang="en-US" sz="1100" dirty="0" smtClean="0"/>
+                        <a:t>    Targeted Information</a:t>
                       </a:r>
-                      <a:endParaRPr lang="en-US" sz="1200" b="0" dirty="0"/>
+                      <a:endParaRPr lang="en-US" sz="1100" b="0" dirty="0"/>
                     </a:p>
                   </a:txBody>
                   <a:tcPr>
@@ -4183,399 +4174,15 @@
                       <a:headEnd type="none" w="med" len="med"/>
                       <a:tailEnd type="none" w="med" len="med"/>
                     </a:lnR>
-                    <a:lnT w="12700" cap="flat" cmpd="sng" algn="ctr">
-                      <a:noFill/>
-                      <a:prstDash val="solid"/>
-                      <a:round/>
-                      <a:headEnd type="none" w="med" len="med"/>
-                      <a:tailEnd type="none" w="med" len="med"/>
-                    </a:lnT>
                     <a:lnB w="12700" cap="flat" cmpd="sng" algn="ctr">
-                      <a:noFill/>
+                      <a:solidFill>
+                        <a:schemeClr val="tx1"/>
+                      </a:solidFill>
                       <a:prstDash val="solid"/>
                       <a:round/>
                       <a:headEnd type="none" w="med" len="med"/>
                       <a:tailEnd type="none" w="med" len="med"/>
                     </a:lnB>
-                    <a:lnTlToBr w="12700" cmpd="sng">
-                      <a:noFill/>
-                      <a:prstDash val="solid"/>
-                    </a:lnTlToBr>
-                    <a:lnBlToTr w="12700" cmpd="sng">
-                      <a:noFill/>
-                      <a:prstDash val="solid"/>
-                    </a:lnBlToTr>
-                  </a:tcPr>
-                </a:tc>
-                <a:tc>
-                  <a:txBody>
-                    <a:bodyPr/>
-                    <a:lstStyle/>
-                    <a:p>
-                      <a:r>
-                        <a:rPr lang="en-US" sz="1200" b="0" dirty="0" smtClean="0"/>
-                        <a:t>Victim</a:t>
-                      </a:r>
-                      <a:r>
-                        <a:rPr lang="en-US" sz="1200" b="0" baseline="0" dirty="0" smtClean="0"/>
-                        <a:t> Targeting for Operation Alpha</a:t>
-                      </a:r>
-                    </a:p>
-                  </a:txBody>
-                  <a:tcPr>
-                    <a:lnL w="12700" cap="flat" cmpd="sng" algn="ctr">
-                      <a:solidFill>
-                        <a:schemeClr val="tx1"/>
-                      </a:solidFill>
-                      <a:prstDash val="solid"/>
-                      <a:round/>
-                      <a:headEnd type="none" w="med" len="med"/>
-                      <a:tailEnd type="none" w="med" len="med"/>
-                    </a:lnL>
-                    <a:lnR w="12700" cap="flat" cmpd="sng" algn="ctr">
-                      <a:solidFill>
-                        <a:schemeClr val="tx1"/>
-                      </a:solidFill>
-                      <a:prstDash val="solid"/>
-                      <a:round/>
-                      <a:headEnd type="none" w="med" len="med"/>
-                      <a:tailEnd type="none" w="med" len="med"/>
-                    </a:lnR>
-                    <a:lnT w="12700" cap="flat" cmpd="sng" algn="ctr">
-                      <a:noFill/>
-                      <a:prstDash val="solid"/>
-                      <a:round/>
-                      <a:headEnd type="none" w="med" len="med"/>
-                      <a:tailEnd type="none" w="med" len="med"/>
-                    </a:lnT>
-                    <a:lnB w="12700" cap="flat" cmpd="sng" algn="ctr">
-                      <a:noFill/>
-                      <a:prstDash val="solid"/>
-                      <a:round/>
-                      <a:headEnd type="none" w="med" len="med"/>
-                      <a:tailEnd type="none" w="med" len="med"/>
-                    </a:lnB>
-                    <a:lnTlToBr w="12700" cmpd="sng">
-                      <a:noFill/>
-                      <a:prstDash val="solid"/>
-                    </a:lnTlToBr>
-                    <a:lnBlToTr w="12700" cmpd="sng">
-                      <a:noFill/>
-                      <a:prstDash val="solid"/>
-                    </a:lnBlToTr>
-                  </a:tcPr>
-                </a:tc>
-              </a:tr>
-              <a:tr h="276599">
-                <a:tc>
-                  <a:txBody>
-                    <a:bodyPr/>
-                    <a:lstStyle/>
-                    <a:p>
-                      <a:r>
-                        <a:rPr lang="en-US" sz="1200" b="0" dirty="0" err="1" smtClean="0"/>
-                        <a:t>Victim_Targeting</a:t>
-                      </a:r>
-                      <a:endParaRPr lang="en-US" sz="1200" b="0" dirty="0"/>
-                    </a:p>
-                  </a:txBody>
-                  <a:tcPr>
-                    <a:lnL w="12700" cap="flat" cmpd="sng" algn="ctr">
-                      <a:solidFill>
-                        <a:schemeClr val="tx1"/>
-                      </a:solidFill>
-                      <a:prstDash val="solid"/>
-                      <a:round/>
-                      <a:headEnd type="none" w="med" len="med"/>
-                      <a:tailEnd type="none" w="med" len="med"/>
-                    </a:lnL>
-                    <a:lnR w="12700" cap="flat" cmpd="sng" algn="ctr">
-                      <a:solidFill>
-                        <a:schemeClr val="tx1"/>
-                      </a:solidFill>
-                      <a:prstDash val="solid"/>
-                      <a:round/>
-                      <a:headEnd type="none" w="med" len="med"/>
-                      <a:tailEnd type="none" w="med" len="med"/>
-                    </a:lnR>
-                    <a:lnT w="12700" cap="flat" cmpd="sng" algn="ctr">
-                      <a:noFill/>
-                      <a:prstDash val="solid"/>
-                      <a:round/>
-                      <a:headEnd type="none" w="med" len="med"/>
-                      <a:tailEnd type="none" w="med" len="med"/>
-                    </a:lnT>
-                    <a:lnB w="12700" cap="flat" cmpd="sng" algn="ctr">
-                      <a:noFill/>
-                      <a:prstDash val="solid"/>
-                      <a:round/>
-                      <a:headEnd type="none" w="med" len="med"/>
-                      <a:tailEnd type="none" w="med" len="med"/>
-                    </a:lnB>
-                    <a:lnTlToBr w="12700" cmpd="sng">
-                      <a:noFill/>
-                      <a:prstDash val="solid"/>
-                    </a:lnTlToBr>
-                    <a:lnBlToTr w="12700" cmpd="sng">
-                      <a:noFill/>
-                      <a:prstDash val="solid"/>
-                    </a:lnBlToTr>
-                  </a:tcPr>
-                </a:tc>
-                <a:tc>
-                  <a:txBody>
-                    <a:bodyPr/>
-                    <a:lstStyle/>
-                    <a:p>
-                      <a:endParaRPr lang="en-US" sz="1200" b="0" baseline="0" dirty="0" smtClean="0"/>
-                    </a:p>
-                  </a:txBody>
-                  <a:tcPr>
-                    <a:lnL w="12700" cap="flat" cmpd="sng" algn="ctr">
-                      <a:solidFill>
-                        <a:schemeClr val="tx1"/>
-                      </a:solidFill>
-                      <a:prstDash val="solid"/>
-                      <a:round/>
-                      <a:headEnd type="none" w="med" len="med"/>
-                      <a:tailEnd type="none" w="med" len="med"/>
-                    </a:lnL>
-                    <a:lnR w="12700" cap="flat" cmpd="sng" algn="ctr">
-                      <a:solidFill>
-                        <a:schemeClr val="tx1"/>
-                      </a:solidFill>
-                      <a:prstDash val="solid"/>
-                      <a:round/>
-                      <a:headEnd type="none" w="med" len="med"/>
-                      <a:tailEnd type="none" w="med" len="med"/>
-                    </a:lnR>
-                    <a:lnT w="12700" cap="flat" cmpd="sng" algn="ctr">
-                      <a:noFill/>
-                      <a:prstDash val="solid"/>
-                      <a:round/>
-                      <a:headEnd type="none" w="med" len="med"/>
-                      <a:tailEnd type="none" w="med" len="med"/>
-                    </a:lnT>
-                    <a:lnB w="12700" cap="flat" cmpd="sng" algn="ctr">
-                      <a:noFill/>
-                      <a:prstDash val="solid"/>
-                      <a:round/>
-                      <a:headEnd type="none" w="med" len="med"/>
-                      <a:tailEnd type="none" w="med" len="med"/>
-                    </a:lnB>
-                    <a:lnTlToBr w="12700" cmpd="sng">
-                      <a:noFill/>
-                      <a:prstDash val="solid"/>
-                    </a:lnTlToBr>
-                    <a:lnBlToTr w="12700" cmpd="sng">
-                      <a:noFill/>
-                      <a:prstDash val="solid"/>
-                    </a:lnBlToTr>
-                  </a:tcPr>
-                </a:tc>
-              </a:tr>
-              <a:tr h="276599">
-                <a:tc>
-                  <a:txBody>
-                    <a:bodyPr/>
-                    <a:lstStyle/>
-                    <a:p>
-                      <a:r>
-                        <a:rPr lang="en-US" sz="1200" b="0" dirty="0" smtClean="0"/>
-                        <a:t>    </a:t>
-                      </a:r>
-                      <a:r>
-                        <a:rPr lang="en-US" sz="1200" b="0" dirty="0" err="1" smtClean="0"/>
-                        <a:t>Targeted_Information</a:t>
-                      </a:r>
-                      <a:endParaRPr lang="en-US" sz="1200" b="0" dirty="0"/>
-                    </a:p>
-                  </a:txBody>
-                  <a:tcPr>
-                    <a:lnL w="12700" cap="flat" cmpd="sng" algn="ctr">
-                      <a:solidFill>
-                        <a:schemeClr val="tx1"/>
-                      </a:solidFill>
-                      <a:prstDash val="solid"/>
-                      <a:round/>
-                      <a:headEnd type="none" w="med" len="med"/>
-                      <a:tailEnd type="none" w="med" len="med"/>
-                    </a:lnL>
-                    <a:lnR w="12700" cap="flat" cmpd="sng" algn="ctr">
-                      <a:solidFill>
-                        <a:schemeClr val="tx1"/>
-                      </a:solidFill>
-                      <a:prstDash val="solid"/>
-                      <a:round/>
-                      <a:headEnd type="none" w="med" len="med"/>
-                      <a:tailEnd type="none" w="med" len="med"/>
-                    </a:lnR>
-                    <a:lnT w="12700" cap="flat" cmpd="sng" algn="ctr">
-                      <a:noFill/>
-                      <a:prstDash val="solid"/>
-                      <a:round/>
-                      <a:headEnd type="none" w="med" len="med"/>
-                      <a:tailEnd type="none" w="med" len="med"/>
-                    </a:lnT>
-                    <a:lnB w="12700" cap="flat" cmpd="sng" algn="ctr">
-                      <a:noFill/>
-                      <a:prstDash val="solid"/>
-                      <a:round/>
-                      <a:headEnd type="none" w="med" len="med"/>
-                      <a:tailEnd type="none" w="med" len="med"/>
-                    </a:lnB>
-                    <a:lnTlToBr w="12700" cmpd="sng">
-                      <a:noFill/>
-                      <a:prstDash val="solid"/>
-                    </a:lnTlToBr>
-                    <a:lnBlToTr w="12700" cmpd="sng">
-                      <a:noFill/>
-                      <a:prstDash val="solid"/>
-                    </a:lnBlToTr>
-                  </a:tcPr>
-                </a:tc>
-                <a:tc>
-                  <a:txBody>
-                    <a:bodyPr/>
-                    <a:lstStyle/>
-                    <a:p>
-                      <a:r>
-                        <a:rPr lang="en-US" sz="1200" b="1" baseline="0" dirty="0" err="1" smtClean="0"/>
-                        <a:t>xsi:type</a:t>
-                      </a:r>
-                      <a:r>
-                        <a:rPr lang="en-US" sz="1200" b="1" baseline="0" dirty="0" smtClean="0"/>
-                        <a:t> = </a:t>
-                      </a:r>
-                      <a:r>
-                        <a:rPr lang="en-US" sz="1200" b="0" baseline="0" dirty="0" smtClean="0"/>
-                        <a:t>InformationTypeVocab-1.0</a:t>
-                      </a:r>
-                    </a:p>
-                    <a:p>
-                      <a:r>
-                        <a:rPr lang="en-US" sz="1200" b="1" baseline="0" dirty="0" smtClean="0"/>
-                        <a:t>value</a:t>
-                      </a:r>
-                      <a:r>
-                        <a:rPr lang="en-US" sz="1200" b="0" baseline="0" dirty="0" smtClean="0"/>
-                        <a:t> </a:t>
-                      </a:r>
-                      <a:r>
-                        <a:rPr lang="en-US" sz="1200" b="1" baseline="0" dirty="0" smtClean="0"/>
-                        <a:t>= </a:t>
-                      </a:r>
-                      <a:r>
-                        <a:rPr lang="en-US" sz="1200" b="0" baseline="0" dirty="0" smtClean="0"/>
-                        <a:t>Information Assets – Customer PII</a:t>
-                      </a:r>
-                      <a:endParaRPr lang="en-US" sz="1200" b="1" baseline="0" dirty="0" smtClean="0"/>
-                    </a:p>
-                  </a:txBody>
-                  <a:tcPr>
-                    <a:lnL w="12700" cap="flat" cmpd="sng" algn="ctr">
-                      <a:solidFill>
-                        <a:schemeClr val="tx1"/>
-                      </a:solidFill>
-                      <a:prstDash val="solid"/>
-                      <a:round/>
-                      <a:headEnd type="none" w="med" len="med"/>
-                      <a:tailEnd type="none" w="med" len="med"/>
-                    </a:lnL>
-                    <a:lnR w="12700" cap="flat" cmpd="sng" algn="ctr">
-                      <a:solidFill>
-                        <a:schemeClr val="tx1"/>
-                      </a:solidFill>
-                      <a:prstDash val="solid"/>
-                      <a:round/>
-                      <a:headEnd type="none" w="med" len="med"/>
-                      <a:tailEnd type="none" w="med" len="med"/>
-                    </a:lnR>
-                    <a:lnT w="12700" cap="flat" cmpd="sng" algn="ctr">
-                      <a:noFill/>
-                      <a:prstDash val="solid"/>
-                      <a:round/>
-                      <a:headEnd type="none" w="med" len="med"/>
-                      <a:tailEnd type="none" w="med" len="med"/>
-                    </a:lnT>
-                    <a:lnB w="12700" cap="flat" cmpd="sng" algn="ctr">
-                      <a:noFill/>
-                      <a:prstDash val="solid"/>
-                      <a:round/>
-                      <a:headEnd type="none" w="med" len="med"/>
-                      <a:tailEnd type="none" w="med" len="med"/>
-                    </a:lnB>
-                    <a:lnTlToBr w="12700" cmpd="sng">
-                      <a:noFill/>
-                      <a:prstDash val="solid"/>
-                    </a:lnTlToBr>
-                    <a:lnBlToTr w="12700" cmpd="sng">
-                      <a:noFill/>
-                      <a:prstDash val="solid"/>
-                    </a:lnBlToTr>
-                  </a:tcPr>
-                </a:tc>
-              </a:tr>
-              <a:tr h="276599">
-                <a:tc>
-                  <a:txBody>
-                    <a:bodyPr/>
-                    <a:lstStyle/>
-                    <a:p>
-                      <a:r>
-                        <a:rPr lang="en-US" sz="1200" b="0" dirty="0" smtClean="0"/>
-                        <a:t>    </a:t>
-                      </a:r>
-                      <a:r>
-                        <a:rPr lang="en-US" sz="1200" b="0" dirty="0" err="1" smtClean="0"/>
-                        <a:t>Targeted_Information</a:t>
-                      </a:r>
-                      <a:endParaRPr lang="en-US" sz="1200" b="0" dirty="0"/>
-                    </a:p>
-                  </a:txBody>
-                  <a:tcPr>
-                    <a:lnL w="12700" cap="flat" cmpd="sng" algn="ctr">
-                      <a:solidFill>
-                        <a:schemeClr val="tx1"/>
-                      </a:solidFill>
-                      <a:prstDash val="solid"/>
-                      <a:round/>
-                      <a:headEnd type="none" w="med" len="med"/>
-                      <a:tailEnd type="none" w="med" len="med"/>
-                    </a:lnL>
-                    <a:lnR w="12700" cap="flat" cmpd="sng" algn="ctr">
-                      <a:solidFill>
-                        <a:schemeClr val="tx1"/>
-                      </a:solidFill>
-                      <a:prstDash val="solid"/>
-                      <a:round/>
-                      <a:headEnd type="none" w="med" len="med"/>
-                      <a:tailEnd type="none" w="med" len="med"/>
-                    </a:lnR>
-                    <a:lnT w="12700" cap="flat" cmpd="sng" algn="ctr">
-                      <a:noFill/>
-                      <a:prstDash val="solid"/>
-                      <a:round/>
-                      <a:headEnd type="none" w="med" len="med"/>
-                      <a:tailEnd type="none" w="med" len="med"/>
-                    </a:lnT>
-                    <a:lnB w="12700" cap="flat" cmpd="sng" algn="ctr">
-                      <a:solidFill>
-                        <a:schemeClr val="tx1"/>
-                      </a:solidFill>
-                      <a:prstDash val="solid"/>
-                      <a:round/>
-                      <a:headEnd type="none" w="med" len="med"/>
-                      <a:tailEnd type="none" w="med" len="med"/>
-                    </a:lnB>
-                    <a:lnTlToBr w="12700" cmpd="sng">
-                      <a:noFill/>
-                      <a:prstDash val="solid"/>
-                    </a:lnTlToBr>
-                    <a:lnBlToTr w="12700" cmpd="sng">
-                      <a:noFill/>
-                      <a:prstDash val="solid"/>
-                    </a:lnBlToTr>
                   </a:tcPr>
                 </a:tc>
                 <a:tc>
@@ -4601,21 +4208,46 @@
                         <a:defRPr/>
                       </a:pPr>
                       <a:r>
-                        <a:rPr lang="en-US" sz="1200" b="1" baseline="0" dirty="0" err="1" smtClean="0"/>
-                        <a:t>xsi:type</a:t>
+                        <a:rPr lang="en-US" sz="1100" baseline="0" dirty="0" smtClean="0"/>
+                        <a:t>Information Assets – Financial Data</a:t>
                       </a:r>
-                      <a:r>
-                        <a:rPr lang="en-US" sz="1200" b="1" baseline="0" dirty="0" smtClean="0"/>
-                        <a:t> = </a:t>
-                      </a:r>
-                      <a:r>
-                        <a:rPr lang="en-US" sz="1200" b="0" baseline="0" dirty="0" smtClean="0"/>
-                        <a:t>InformationTypeVocab-1.0</a:t>
-                      </a:r>
-                      <a:endParaRPr lang="en-US" sz="1200" b="1" baseline="0" dirty="0" smtClean="0"/>
+                      <a:endParaRPr lang="en-US" sz="1100" b="1" baseline="0" dirty="0" smtClean="0"/>
                     </a:p>
+                  </a:txBody>
+                  <a:tcPr>
+                    <a:lnL w="12700" cap="flat" cmpd="sng" algn="ctr">
+                      <a:solidFill>
+                        <a:schemeClr val="tx1"/>
+                      </a:solidFill>
+                      <a:prstDash val="solid"/>
+                      <a:round/>
+                      <a:headEnd type="none" w="med" len="med"/>
+                      <a:tailEnd type="none" w="med" len="med"/>
+                    </a:lnL>
+                    <a:lnR w="12700" cap="flat" cmpd="sng" algn="ctr">
+                      <a:noFill/>
+                      <a:prstDash val="solid"/>
+                      <a:round/>
+                      <a:headEnd type="none" w="med" len="med"/>
+                      <a:tailEnd type="none" w="med" len="med"/>
+                    </a:lnR>
+                    <a:lnB w="12700" cap="flat" cmpd="sng" algn="ctr">
+                      <a:solidFill>
+                        <a:schemeClr val="tx1"/>
+                      </a:solidFill>
+                      <a:prstDash val="solid"/>
+                      <a:round/>
+                      <a:headEnd type="none" w="med" len="med"/>
+                      <a:tailEnd type="none" w="med" len="med"/>
+                    </a:lnB>
+                  </a:tcPr>
+                </a:tc>
+                <a:tc>
+                  <a:txBody>
+                    <a:bodyPr/>
+                    <a:lstStyle/>
                     <a:p>
-                      <a:pPr marL="0" marR="0" indent="0" algn="l" defTabSz="914400" rtl="0" eaLnBrk="1" fontAlgn="auto" latinLnBrk="0" hangingPunct="1">
+                      <a:pPr marL="0" marR="0" indent="0" algn="r" defTabSz="914400" rtl="0" eaLnBrk="1" fontAlgn="auto" latinLnBrk="0" hangingPunct="1">
                         <a:lnSpc>
                           <a:spcPct val="100000"/>
                         </a:lnSpc>
@@ -4633,29 +4265,27 @@
                         <a:defRPr/>
                       </a:pPr>
                       <a:r>
-                        <a:rPr lang="en-US" sz="1200" b="1" baseline="0" dirty="0" smtClean="0"/>
-                        <a:t>value</a:t>
+                        <a:rPr lang="en-US" sz="1100" baseline="0" dirty="0" smtClean="0">
+                          <a:solidFill>
+                            <a:schemeClr val="bg1">
+                              <a:lumMod val="50000"/>
+                            </a:schemeClr>
+                          </a:solidFill>
+                        </a:rPr>
+                        <a:t>InformationTypeVocab-1.0</a:t>
                       </a:r>
-                      <a:r>
-                        <a:rPr lang="en-US" sz="1200" b="0" baseline="0" dirty="0" smtClean="0"/>
-                        <a:t> </a:t>
-                      </a:r>
-                      <a:r>
-                        <a:rPr lang="en-US" sz="1200" b="1" baseline="0" dirty="0" smtClean="0"/>
-                        <a:t>= </a:t>
-                      </a:r>
-                      <a:r>
-                        <a:rPr lang="en-US" sz="1200" b="0" baseline="0" dirty="0" smtClean="0"/>
-                        <a:t>Information Assets – Financial Data</a:t>
-                      </a:r>
-                      <a:endParaRPr lang="en-US" sz="1200" b="1" baseline="0" dirty="0" smtClean="0"/>
+                      <a:endParaRPr lang="en-US" sz="1100" b="1" baseline="0" dirty="0" smtClean="0">
+                        <a:solidFill>
+                          <a:schemeClr val="bg1">
+                            <a:lumMod val="50000"/>
+                          </a:schemeClr>
+                        </a:solidFill>
+                      </a:endParaRPr>
                     </a:p>
                   </a:txBody>
                   <a:tcPr>
                     <a:lnL w="12700" cap="flat" cmpd="sng" algn="ctr">
-                      <a:solidFill>
-                        <a:schemeClr val="tx1"/>
-                      </a:solidFill>
+                      <a:noFill/>
                       <a:prstDash val="solid"/>
                       <a:round/>
                       <a:headEnd type="none" w="med" len="med"/>
@@ -4670,13 +4300,6 @@
                       <a:headEnd type="none" w="med" len="med"/>
                       <a:tailEnd type="none" w="med" len="med"/>
                     </a:lnR>
-                    <a:lnT w="12700" cap="flat" cmpd="sng" algn="ctr">
-                      <a:noFill/>
-                      <a:prstDash val="solid"/>
-                      <a:round/>
-                      <a:headEnd type="none" w="med" len="med"/>
-                      <a:tailEnd type="none" w="med" len="med"/>
-                    </a:lnT>
                     <a:lnB w="12700" cap="flat" cmpd="sng" algn="ctr">
                       <a:solidFill>
                         <a:schemeClr val="tx1"/>
@@ -4686,14 +4309,6 @@
                       <a:headEnd type="none" w="med" len="med"/>
                       <a:tailEnd type="none" w="med" len="med"/>
                     </a:lnB>
-                    <a:lnTlToBr w="12700" cmpd="sng">
-                      <a:noFill/>
-                      <a:prstDash val="solid"/>
-                    </a:lnTlToBr>
-                    <a:lnBlToTr w="12700" cmpd="sng">
-                      <a:noFill/>
-                      <a:prstDash val="solid"/>
-                    </a:lnBlToTr>
                   </a:tcPr>
                 </a:tc>
               </a:tr>
@@ -4703,25 +4318,167 @@
       </p:graphicFrame>
       <p:cxnSp>
         <p:nvCxnSpPr>
-          <p:cNvPr id="15" name="Straight Arrow Connector 14"/>
+          <p:cNvPr id="7" name="Straight Connector 6"/>
           <p:cNvCxnSpPr/>
           <p:nvPr/>
         </p:nvCxnSpPr>
         <p:spPr>
           <a:xfrm flipV="1">
-            <a:off x="830580" y="1821180"/>
-            <a:ext cx="2286000" cy="1097280"/>
+            <a:off x="90535" y="2933322"/>
+            <a:ext cx="5033726" cy="1"/>
           </a:xfrm>
-          <a:prstGeom prst="bentConnector3">
-            <a:avLst>
-              <a:gd name="adj1" fmla="val 86000"/>
-            </a:avLst>
+          <a:prstGeom prst="line">
+            <a:avLst/>
           </a:prstGeom>
           <a:ln w="25400">
             <a:solidFill>
               <a:srgbClr val="FF0000"/>
             </a:solidFill>
-            <a:tailEnd type="arrow"/>
+            <a:tailEnd type="none"/>
+          </a:ln>
+        </p:spPr>
+        <p:style>
+          <a:lnRef idx="1">
+            <a:schemeClr val="accent1"/>
+          </a:lnRef>
+          <a:fillRef idx="0">
+            <a:schemeClr val="accent1"/>
+          </a:fillRef>
+          <a:effectRef idx="0">
+            <a:schemeClr val="accent1"/>
+          </a:effectRef>
+          <a:fontRef idx="minor">
+            <a:schemeClr val="tx1"/>
+          </a:fontRef>
+        </p:style>
+      </p:cxnSp>
+      <p:cxnSp>
+        <p:nvCxnSpPr>
+          <p:cNvPr id="23" name="Straight Connector 22"/>
+          <p:cNvCxnSpPr/>
+          <p:nvPr/>
+        </p:nvCxnSpPr>
+        <p:spPr>
+          <a:xfrm>
+            <a:off x="4418091" y="2372008"/>
+            <a:ext cx="706170" cy="0"/>
+          </a:xfrm>
+          <a:prstGeom prst="line">
+            <a:avLst/>
+          </a:prstGeom>
+          <a:ln w="25400">
+            <a:solidFill>
+              <a:srgbClr val="FF0000"/>
+            </a:solidFill>
+            <a:tailEnd type="none"/>
+          </a:ln>
+        </p:spPr>
+        <p:style>
+          <a:lnRef idx="1">
+            <a:schemeClr val="accent1"/>
+          </a:lnRef>
+          <a:fillRef idx="0">
+            <a:schemeClr val="accent1"/>
+          </a:fillRef>
+          <a:effectRef idx="0">
+            <a:schemeClr val="accent1"/>
+          </a:effectRef>
+          <a:fontRef idx="minor">
+            <a:schemeClr val="tx1"/>
+          </a:fontRef>
+        </p:style>
+      </p:cxnSp>
+      <p:cxnSp>
+        <p:nvCxnSpPr>
+          <p:cNvPr id="26" name="Straight Connector 25"/>
+          <p:cNvCxnSpPr/>
+          <p:nvPr/>
+        </p:nvCxnSpPr>
+        <p:spPr>
+          <a:xfrm flipV="1">
+            <a:off x="5124261" y="2372008"/>
+            <a:ext cx="0" cy="561315"/>
+          </a:xfrm>
+          <a:prstGeom prst="line">
+            <a:avLst/>
+          </a:prstGeom>
+          <a:ln w="25400">
+            <a:solidFill>
+              <a:srgbClr val="FF0000"/>
+            </a:solidFill>
+            <a:tailEnd type="none"/>
+          </a:ln>
+        </p:spPr>
+        <p:style>
+          <a:lnRef idx="1">
+            <a:schemeClr val="accent1"/>
+          </a:lnRef>
+          <a:fillRef idx="0">
+            <a:schemeClr val="accent1"/>
+          </a:fillRef>
+          <a:effectRef idx="0">
+            <a:schemeClr val="accent1"/>
+          </a:effectRef>
+          <a:fontRef idx="minor">
+            <a:schemeClr val="tx1"/>
+          </a:fontRef>
+        </p:style>
+      </p:cxnSp>
+      <p:cxnSp>
+        <p:nvCxnSpPr>
+          <p:cNvPr id="30" name="Straight Connector 29"/>
+          <p:cNvCxnSpPr/>
+          <p:nvPr/>
+        </p:nvCxnSpPr>
+        <p:spPr>
+          <a:xfrm>
+            <a:off x="90535" y="2933323"/>
+            <a:ext cx="0" cy="606582"/>
+          </a:xfrm>
+          <a:prstGeom prst="line">
+            <a:avLst/>
+          </a:prstGeom>
+          <a:ln w="25400">
+            <a:solidFill>
+              <a:srgbClr val="FF0000"/>
+            </a:solidFill>
+            <a:tailEnd type="none"/>
+          </a:ln>
+        </p:spPr>
+        <p:style>
+          <a:lnRef idx="1">
+            <a:schemeClr val="accent1"/>
+          </a:lnRef>
+          <a:fillRef idx="0">
+            <a:schemeClr val="accent1"/>
+          </a:fillRef>
+          <a:effectRef idx="0">
+            <a:schemeClr val="accent1"/>
+          </a:effectRef>
+          <a:fontRef idx="minor">
+            <a:schemeClr val="tx1"/>
+          </a:fontRef>
+        </p:style>
+      </p:cxnSp>
+      <p:cxnSp>
+        <p:nvCxnSpPr>
+          <p:cNvPr id="34" name="Straight Connector 33"/>
+          <p:cNvCxnSpPr/>
+          <p:nvPr/>
+        </p:nvCxnSpPr>
+        <p:spPr>
+          <a:xfrm>
+            <a:off x="90535" y="3539905"/>
+            <a:ext cx="152400" cy="0"/>
+          </a:xfrm>
+          <a:prstGeom prst="line">
+            <a:avLst/>
+          </a:prstGeom>
+          <a:ln w="25400">
+            <a:solidFill>
+              <a:srgbClr val="FF0000"/>
+            </a:solidFill>
+            <a:tailEnd type="triangle"/>
           </a:ln>
         </p:spPr>
         <p:style>

--- a/idioms/campaign/victim-targeting/diagram.pptx
+++ b/idioms/campaign/victim-targeting/diagram.pptx
@@ -288,7 +288,7 @@
           <a:p>
             <a:fld id="{13F24B86-36D2-4655-BE2F-98B661AC85E1}" type="datetimeFigureOut">
               <a:rPr lang="en-US" smtClean="0"/>
-              <a:t>3/19/2014</a:t>
+              <a:t>3/30/14</a:t>
             </a:fld>
             <a:endParaRPr lang="en-US"/>
           </a:p>
@@ -458,7 +458,7 @@
           <a:p>
             <a:fld id="{13F24B86-36D2-4655-BE2F-98B661AC85E1}" type="datetimeFigureOut">
               <a:rPr lang="en-US" smtClean="0"/>
-              <a:t>3/19/2014</a:t>
+              <a:t>3/30/14</a:t>
             </a:fld>
             <a:endParaRPr lang="en-US"/>
           </a:p>
@@ -638,7 +638,7 @@
           <a:p>
             <a:fld id="{13F24B86-36D2-4655-BE2F-98B661AC85E1}" type="datetimeFigureOut">
               <a:rPr lang="en-US" smtClean="0"/>
-              <a:t>3/19/2014</a:t>
+              <a:t>3/30/14</a:t>
             </a:fld>
             <a:endParaRPr lang="en-US"/>
           </a:p>
@@ -808,7 +808,7 @@
           <a:p>
             <a:fld id="{13F24B86-36D2-4655-BE2F-98B661AC85E1}" type="datetimeFigureOut">
               <a:rPr lang="en-US" smtClean="0"/>
-              <a:t>3/19/2014</a:t>
+              <a:t>3/30/14</a:t>
             </a:fld>
             <a:endParaRPr lang="en-US"/>
           </a:p>
@@ -1054,7 +1054,7 @@
           <a:p>
             <a:fld id="{13F24B86-36D2-4655-BE2F-98B661AC85E1}" type="datetimeFigureOut">
               <a:rPr lang="en-US" smtClean="0"/>
-              <a:t>3/19/2014</a:t>
+              <a:t>3/30/14</a:t>
             </a:fld>
             <a:endParaRPr lang="en-US"/>
           </a:p>
@@ -1342,7 +1342,7 @@
           <a:p>
             <a:fld id="{13F24B86-36D2-4655-BE2F-98B661AC85E1}" type="datetimeFigureOut">
               <a:rPr lang="en-US" smtClean="0"/>
-              <a:t>3/19/2014</a:t>
+              <a:t>3/30/14</a:t>
             </a:fld>
             <a:endParaRPr lang="en-US"/>
           </a:p>
@@ -1764,7 +1764,7 @@
           <a:p>
             <a:fld id="{13F24B86-36D2-4655-BE2F-98B661AC85E1}" type="datetimeFigureOut">
               <a:rPr lang="en-US" smtClean="0"/>
-              <a:t>3/19/2014</a:t>
+              <a:t>3/30/14</a:t>
             </a:fld>
             <a:endParaRPr lang="en-US"/>
           </a:p>
@@ -1882,7 +1882,7 @@
           <a:p>
             <a:fld id="{13F24B86-36D2-4655-BE2F-98B661AC85E1}" type="datetimeFigureOut">
               <a:rPr lang="en-US" smtClean="0"/>
-              <a:t>3/19/2014</a:t>
+              <a:t>3/30/14</a:t>
             </a:fld>
             <a:endParaRPr lang="en-US"/>
           </a:p>
@@ -1977,7 +1977,7 @@
           <a:p>
             <a:fld id="{13F24B86-36D2-4655-BE2F-98B661AC85E1}" type="datetimeFigureOut">
               <a:rPr lang="en-US" smtClean="0"/>
-              <a:t>3/19/2014</a:t>
+              <a:t>3/30/14</a:t>
             </a:fld>
             <a:endParaRPr lang="en-US"/>
           </a:p>
@@ -2254,7 +2254,7 @@
           <a:p>
             <a:fld id="{13F24B86-36D2-4655-BE2F-98B661AC85E1}" type="datetimeFigureOut">
               <a:rPr lang="en-US" smtClean="0"/>
-              <a:t>3/19/2014</a:t>
+              <a:t>3/30/14</a:t>
             </a:fld>
             <a:endParaRPr lang="en-US"/>
           </a:p>
@@ -2507,7 +2507,7 @@
           <a:p>
             <a:fld id="{13F24B86-36D2-4655-BE2F-98B661AC85E1}" type="datetimeFigureOut">
               <a:rPr lang="en-US" smtClean="0"/>
-              <a:t>3/19/2014</a:t>
+              <a:t>3/30/14</a:t>
             </a:fld>
             <a:endParaRPr lang="en-US"/>
           </a:p>
@@ -2720,7 +2720,7 @@
           <a:p>
             <a:fld id="{13F24B86-36D2-4655-BE2F-98B661AC85E1}" type="datetimeFigureOut">
               <a:rPr lang="en-US" smtClean="0"/>
-              <a:t>3/19/2014</a:t>
+              <a:t>3/30/14</a:t>
             </a:fld>
             <a:endParaRPr lang="en-US"/>
           </a:p>
@@ -3104,7 +3104,7 @@
           <p:nvPr>
             <p:extLst>
               <p:ext uri="{D42A27DB-BD31-4B8C-83A1-F6EECF244321}">
-                <p14:modId xmlns:p14="http://schemas.microsoft.com/office/powerpoint/2010/main" val="1875242170"/>
+                <p14:modId xmlns:p14="http://schemas.microsoft.com/office/powerpoint/2010/main" val="4152660183"/>
               </p:ext>
             </p:extLst>
           </p:nvPr>
@@ -3657,7 +3657,7 @@
           <p:nvPr>
             <p:extLst>
               <p:ext uri="{D42A27DB-BD31-4B8C-83A1-F6EECF244321}">
-                <p14:modId xmlns:p14="http://schemas.microsoft.com/office/powerpoint/2010/main" val="3833087149"/>
+                <p14:modId xmlns:p14="http://schemas.microsoft.com/office/powerpoint/2010/main" val="552749170"/>
               </p:ext>
             </p:extLst>
           </p:nvPr>
@@ -3921,7 +3921,11 @@
                       </a:r>
                       <a:r>
                         <a:rPr lang="en-US" sz="1100" baseline="0" dirty="0" smtClean="0"/>
-                        <a:t> Targeting for Operation Alpha</a:t>
+                        <a:t> </a:t>
+                      </a:r>
+                      <a:r>
+                        <a:rPr lang="en-US" sz="1100" baseline="0" dirty="0" smtClean="0"/>
+                        <a:t>Targeting: Customer PII and Financial Data</a:t>
                       </a:r>
                       <a:endParaRPr lang="en-US" sz="1100" b="0" baseline="0" dirty="0" smtClean="0"/>
                     </a:p>
